--- a/Capstone - MovieLens/MovieLens Recommendation System.pptx
+++ b/Capstone - MovieLens/MovieLens Recommendation System.pptx
@@ -5,7 +5,7 @@
     <p:sldMasterId id="2147483719" r:id="rId1"/>
   </p:sldMasterIdLst>
   <p:notesMasterIdLst>
-    <p:notesMasterId r:id="rId20"/>
+    <p:notesMasterId r:id="rId21"/>
   </p:notesMasterIdLst>
   <p:sldIdLst>
     <p:sldId id="256" r:id="rId2"/>
@@ -25,7 +25,8 @@
     <p:sldId id="268" r:id="rId16"/>
     <p:sldId id="271" r:id="rId17"/>
     <p:sldId id="272" r:id="rId18"/>
-    <p:sldId id="274" r:id="rId19"/>
+    <p:sldId id="275" r:id="rId19"/>
+    <p:sldId id="274" r:id="rId20"/>
   </p:sldIdLst>
   <p:sldSz cx="12192000" cy="6858000"/>
   <p:notesSz cx="6858000" cy="9144000"/>
@@ -214,7 +215,7 @@
           <a:p>
             <a:fld id="{4B0A3A18-DD98-684D-85C6-8B87FAEE98E7}" type="datetimeFigureOut">
               <a:rPr lang="en-US" smtClean="0"/>
-              <a:t>4/12/17</a:t>
+              <a:t>4/18/2017</a:t>
             </a:fld>
             <a:endParaRPr lang="en-US"/>
           </a:p>
@@ -651,7 +652,7 @@
             <a:fld id="{3C633830-2244-49AE-BC4A-47F415C177C6}" type="datetimeFigureOut">
               <a:rPr lang="en-US" smtClean="0"/>
               <a:pPr/>
-              <a:t>4/12/17</a:t>
+              <a:t>4/18/2017</a:t>
             </a:fld>
             <a:endParaRPr lang="en-US" dirty="0"/>
           </a:p>
@@ -885,7 +886,7 @@
           <a:p>
             <a:fld id="{3C633830-2244-49AE-BC4A-47F415C177C6}" type="datetimeFigureOut">
               <a:rPr lang="en-US" smtClean="0"/>
-              <a:t>4/12/17</a:t>
+              <a:t>4/18/2017</a:t>
             </a:fld>
             <a:endParaRPr lang="en-US" dirty="0"/>
           </a:p>
@@ -1065,7 +1066,7 @@
           <a:p>
             <a:fld id="{3C633830-2244-49AE-BC4A-47F415C177C6}" type="datetimeFigureOut">
               <a:rPr lang="en-US" smtClean="0"/>
-              <a:t>4/12/17</a:t>
+              <a:t>4/18/2017</a:t>
             </a:fld>
             <a:endParaRPr lang="en-US" dirty="0"/>
           </a:p>
@@ -1240,7 +1241,7 @@
           <a:p>
             <a:fld id="{3C633830-2244-49AE-BC4A-47F415C177C6}" type="datetimeFigureOut">
               <a:rPr lang="en-US" smtClean="0"/>
-              <a:t>4/12/17</a:t>
+              <a:t>4/18/2017</a:t>
             </a:fld>
             <a:endParaRPr lang="en-US" dirty="0"/>
           </a:p>
@@ -1495,7 +1496,7 @@
             <a:fld id="{3C633830-2244-49AE-BC4A-47F415C177C6}" type="datetimeFigureOut">
               <a:rPr lang="en-US" smtClean="0"/>
               <a:pPr/>
-              <a:t>4/12/17</a:t>
+              <a:t>4/18/2017</a:t>
             </a:fld>
             <a:endParaRPr lang="en-US" dirty="0"/>
           </a:p>
@@ -1827,7 +1828,7 @@
           <a:p>
             <a:fld id="{3C633830-2244-49AE-BC4A-47F415C177C6}" type="datetimeFigureOut">
               <a:rPr lang="en-US" smtClean="0"/>
-              <a:t>4/12/17</a:t>
+              <a:t>4/18/2017</a:t>
             </a:fld>
             <a:endParaRPr lang="en-US" dirty="0"/>
           </a:p>
@@ -2278,7 +2279,7 @@
           <a:p>
             <a:fld id="{3C633830-2244-49AE-BC4A-47F415C177C6}" type="datetimeFigureOut">
               <a:rPr lang="en-US" smtClean="0"/>
-              <a:t>4/12/17</a:t>
+              <a:t>4/18/2017</a:t>
             </a:fld>
             <a:endParaRPr lang="en-US" dirty="0"/>
           </a:p>
@@ -2396,7 +2397,7 @@
           <a:p>
             <a:fld id="{3C633830-2244-49AE-BC4A-47F415C177C6}" type="datetimeFigureOut">
               <a:rPr lang="en-US" smtClean="0"/>
-              <a:t>4/12/17</a:t>
+              <a:t>4/18/2017</a:t>
             </a:fld>
             <a:endParaRPr lang="en-US" dirty="0"/>
           </a:p>
@@ -2491,7 +2492,7 @@
           <a:p>
             <a:fld id="{3C633830-2244-49AE-BC4A-47F415C177C6}" type="datetimeFigureOut">
               <a:rPr lang="en-US" smtClean="0"/>
-              <a:t>4/12/17</a:t>
+              <a:t>4/18/2017</a:t>
             </a:fld>
             <a:endParaRPr lang="en-US" dirty="0"/>
           </a:p>
@@ -2778,7 +2779,7 @@
           <a:p>
             <a:fld id="{3C633830-2244-49AE-BC4A-47F415C177C6}" type="datetimeFigureOut">
               <a:rPr lang="en-US" smtClean="0"/>
-              <a:t>4/12/17</a:t>
+              <a:t>4/18/2017</a:t>
             </a:fld>
             <a:endParaRPr lang="en-US" dirty="0"/>
           </a:p>
@@ -3100,7 +3101,7 @@
           <a:p>
             <a:fld id="{3C633830-2244-49AE-BC4A-47F415C177C6}" type="datetimeFigureOut">
               <a:rPr lang="en-US" smtClean="0"/>
-              <a:t>4/12/17</a:t>
+              <a:t>4/18/2017</a:t>
             </a:fld>
             <a:endParaRPr lang="en-US" dirty="0"/>
           </a:p>
@@ -3355,7 +3356,7 @@
             <a:fld id="{3C633830-2244-49AE-BC4A-47F415C177C6}" type="datetimeFigureOut">
               <a:rPr lang="en-US" smtClean="0"/>
               <a:pPr/>
-              <a:t>4/12/17</a:t>
+              <a:t>4/18/2017</a:t>
             </a:fld>
             <a:endParaRPr lang="en-US" dirty="0"/>
           </a:p>
@@ -4006,7 +4007,7 @@
       </p:sp>
       <p:pic>
         <p:nvPicPr>
-          <p:cNvPr id="4" name="Picture 3"/>
+          <p:cNvPr id="5" name="Picture 4"/>
           <p:cNvPicPr>
             <a:picLocks noChangeAspect="1"/>
           </p:cNvPicPr>
@@ -4020,8 +4021,8 @@
         </p:blipFill>
         <p:spPr>
           <a:xfrm>
-            <a:off x="2306764" y="5409882"/>
-            <a:ext cx="6505575" cy="1057275"/>
+            <a:off x="1587272" y="5098596"/>
+            <a:ext cx="8429625" cy="1428750"/>
           </a:xfrm>
           <a:prstGeom prst="rect">
             <a:avLst/>
@@ -4792,7 +4793,6 @@
               <a:rPr lang="en-US" sz="2800" dirty="0"/>
               <a:t>Model 3 – Collaborative Filtering + K Nearest Neighbor</a:t>
             </a:r>
-            <a:endParaRPr lang="en-US" sz="2800" dirty="0"/>
           </a:p>
         </p:txBody>
       </p:sp>
@@ -4901,7 +4901,6 @@
               <a:rPr lang="en-US" dirty="0"/>
               <a:t>Model 3 – Collaborative Filtering + K Nearest Neighbor</a:t>
             </a:r>
-            <a:endParaRPr lang="en-US" dirty="0"/>
           </a:p>
         </p:txBody>
       </p:sp>
@@ -4956,7 +4955,6 @@
               <a:rPr lang="en-US" dirty="0"/>
               <a:t>suggests we can use other ways to find similar users/items. Using users' age, gender, occupation or movies' genre an year can be other ways to pick the best user/items for collaborative filtering.</a:t>
             </a:r>
-            <a:endParaRPr lang="en-US" dirty="0"/>
           </a:p>
         </p:txBody>
       </p:sp>
@@ -5004,6 +5002,404 @@
 </file>
 
 <file path=ppt/slides/slide18.xml><?xml version="1.0" encoding="utf-8"?>
+<p:sld xmlns:a="http://schemas.openxmlformats.org/drawingml/2006/main" xmlns:r="http://schemas.openxmlformats.org/officeDocument/2006/relationships" xmlns:p="http://schemas.openxmlformats.org/presentationml/2006/main">
+  <p:cSld>
+    <p:spTree>
+      <p:nvGrpSpPr>
+        <p:cNvPr id="1" name=""/>
+        <p:cNvGrpSpPr/>
+        <p:nvPr/>
+      </p:nvGrpSpPr>
+      <p:grpSpPr>
+        <a:xfrm>
+          <a:off x="0" y="0"/>
+          <a:ext cx="0" cy="0"/>
+          <a:chOff x="0" y="0"/>
+          <a:chExt cx="0" cy="0"/>
+        </a:xfrm>
+      </p:grpSpPr>
+      <p:sp>
+        <p:nvSpPr>
+          <p:cNvPr id="2" name="Title 1"/>
+          <p:cNvSpPr>
+            <a:spLocks noGrp="1"/>
+          </p:cNvSpPr>
+          <p:nvPr>
+            <p:ph type="title"/>
+          </p:nvPr>
+        </p:nvSpPr>
+        <p:spPr/>
+        <p:txBody>
+          <a:bodyPr/>
+          <a:lstStyle/>
+          <a:p>
+            <a:r>
+              <a:rPr lang="en-US" dirty="0" smtClean="0"/>
+              <a:t>Result Comparison </a:t>
+            </a:r>
+            <a:endParaRPr lang="en-US" dirty="0"/>
+          </a:p>
+        </p:txBody>
+      </p:sp>
+      <p:graphicFrame>
+        <p:nvGraphicFramePr>
+          <p:cNvPr id="5" name="Content Placeholder 4"/>
+          <p:cNvGraphicFramePr>
+            <a:graphicFrameLocks noGrp="1"/>
+          </p:cNvGraphicFramePr>
+          <p:nvPr>
+            <p:ph idx="1"/>
+            <p:extLst>
+              <p:ext uri="{D42A27DB-BD31-4B8C-83A1-F6EECF244321}">
+                <p14:modId xmlns:p14="http://schemas.microsoft.com/office/powerpoint/2010/main" val="2562303384"/>
+              </p:ext>
+            </p:extLst>
+          </p:nvPr>
+        </p:nvGraphicFramePr>
+        <p:xfrm>
+          <a:off x="1262061" y="1828800"/>
+          <a:ext cx="8861652" cy="2199640"/>
+        </p:xfrm>
+        <a:graphic>
+          <a:graphicData uri="http://schemas.openxmlformats.org/drawingml/2006/table">
+            <a:tbl>
+              <a:tblPr firstRow="1" bandRow="1">
+                <a:tableStyleId>{5C22544A-7EE6-4342-B048-85BDC9FD1C3A}</a:tableStyleId>
+              </a:tblPr>
+              <a:tblGrid>
+                <a:gridCol w="2215413"/>
+                <a:gridCol w="2215413"/>
+                <a:gridCol w="2215413"/>
+                <a:gridCol w="2215413"/>
+              </a:tblGrid>
+              <a:tr h="370840">
+                <a:tc>
+                  <a:txBody>
+                    <a:bodyPr/>
+                    <a:lstStyle/>
+                    <a:p>
+                      <a:pPr algn="ctr"/>
+                      <a:r>
+                        <a:rPr lang="en-US" dirty="0" smtClean="0"/>
+                        <a:t>Benchmark</a:t>
+                      </a:r>
+                      <a:r>
+                        <a:rPr lang="en-US" baseline="0" dirty="0" smtClean="0"/>
+                        <a:t> Model</a:t>
+                      </a:r>
+                      <a:endParaRPr lang="en-US" dirty="0"/>
+                    </a:p>
+                  </a:txBody>
+                  <a:tcPr/>
+                </a:tc>
+                <a:tc>
+                  <a:txBody>
+                    <a:bodyPr/>
+                    <a:lstStyle/>
+                    <a:p>
+                      <a:pPr algn="ctr"/>
+                      <a:r>
+                        <a:rPr lang="en-US" dirty="0" smtClean="0"/>
+                        <a:t>Model 1</a:t>
+                      </a:r>
+                      <a:endParaRPr lang="en-US" dirty="0"/>
+                    </a:p>
+                  </a:txBody>
+                  <a:tcPr/>
+                </a:tc>
+                <a:tc>
+                  <a:txBody>
+                    <a:bodyPr/>
+                    <a:lstStyle/>
+                    <a:p>
+                      <a:pPr algn="ctr"/>
+                      <a:r>
+                        <a:rPr lang="en-US" dirty="0" smtClean="0"/>
+                        <a:t>Model 2</a:t>
+                      </a:r>
+                      <a:endParaRPr lang="en-US" dirty="0"/>
+                    </a:p>
+                  </a:txBody>
+                  <a:tcPr/>
+                </a:tc>
+                <a:tc>
+                  <a:txBody>
+                    <a:bodyPr/>
+                    <a:lstStyle/>
+                    <a:p>
+                      <a:pPr algn="ctr"/>
+                      <a:r>
+                        <a:rPr lang="en-US" dirty="0" smtClean="0"/>
+                        <a:t>Model 3</a:t>
+                      </a:r>
+                      <a:endParaRPr lang="en-US" dirty="0"/>
+                    </a:p>
+                  </a:txBody>
+                  <a:tcPr/>
+                </a:tc>
+              </a:tr>
+              <a:tr h="370840">
+                <a:tc>
+                  <a:txBody>
+                    <a:bodyPr/>
+                    <a:lstStyle/>
+                    <a:p>
+                      <a:r>
+                        <a:rPr lang="en-US" dirty="0" smtClean="0"/>
+                        <a:t>Mean Rating</a:t>
+                      </a:r>
+                      <a:endParaRPr lang="en-US" dirty="0"/>
+                    </a:p>
+                  </a:txBody>
+                  <a:tcPr/>
+                </a:tc>
+                <a:tc>
+                  <a:txBody>
+                    <a:bodyPr/>
+                    <a:lstStyle/>
+                    <a:p>
+                      <a:pPr marL="0" marR="0" indent="0" algn="l" defTabSz="914400" rtl="0" eaLnBrk="1" fontAlgn="auto" latinLnBrk="0" hangingPunct="1">
+                        <a:lnSpc>
+                          <a:spcPct val="100000"/>
+                        </a:lnSpc>
+                        <a:spcBef>
+                          <a:spcPts val="0"/>
+                        </a:spcBef>
+                        <a:spcAft>
+                          <a:spcPts val="0"/>
+                        </a:spcAft>
+                        <a:buClrTx/>
+                        <a:buSzTx/>
+                        <a:buFontTx/>
+                        <a:buNone/>
+                        <a:tabLst/>
+                        <a:defRPr/>
+                      </a:pPr>
+                      <a:r>
+                        <a:rPr lang="en-US" dirty="0" smtClean="0"/>
+                        <a:t>Collaborative Filtering</a:t>
+                      </a:r>
+                    </a:p>
+                    <a:p>
+                      <a:endParaRPr lang="en-US" dirty="0"/>
+                    </a:p>
+                  </a:txBody>
+                  <a:tcPr/>
+                </a:tc>
+                <a:tc>
+                  <a:txBody>
+                    <a:bodyPr/>
+                    <a:lstStyle/>
+                    <a:p>
+                      <a:pPr marL="0" marR="0" indent="0" algn="l" defTabSz="914400" rtl="0" eaLnBrk="1" fontAlgn="auto" latinLnBrk="0" hangingPunct="1">
+                        <a:lnSpc>
+                          <a:spcPct val="100000"/>
+                        </a:lnSpc>
+                        <a:spcBef>
+                          <a:spcPts val="0"/>
+                        </a:spcBef>
+                        <a:spcAft>
+                          <a:spcPts val="0"/>
+                        </a:spcAft>
+                        <a:buClrTx/>
+                        <a:buSzTx/>
+                        <a:buFontTx/>
+                        <a:buNone/>
+                        <a:tabLst/>
+                        <a:defRPr/>
+                      </a:pPr>
+                      <a:r>
+                        <a:rPr lang="en-US" dirty="0" smtClean="0"/>
+                        <a:t>Collaborative Filtering</a:t>
+                      </a:r>
+                      <a:r>
+                        <a:rPr lang="en-US" baseline="0" dirty="0" smtClean="0"/>
+                        <a:t> &amp; </a:t>
+                      </a:r>
+                      <a:r>
+                        <a:rPr lang="en-US" baseline="0" dirty="0" err="1" smtClean="0"/>
+                        <a:t>kNN</a:t>
+                      </a:r>
+                      <a:endParaRPr lang="en-US" dirty="0" smtClean="0"/>
+                    </a:p>
+                  </a:txBody>
+                  <a:tcPr/>
+                </a:tc>
+                <a:tc>
+                  <a:txBody>
+                    <a:bodyPr/>
+                    <a:lstStyle/>
+                    <a:p>
+                      <a:r>
+                        <a:rPr lang="en-US" dirty="0" err="1" smtClean="0"/>
+                        <a:t>SVD</a:t>
+                      </a:r>
+                      <a:endParaRPr lang="en-US" dirty="0"/>
+                    </a:p>
+                  </a:txBody>
+                  <a:tcPr/>
+                </a:tc>
+              </a:tr>
+              <a:tr h="370840">
+                <a:tc>
+                  <a:txBody>
+                    <a:bodyPr/>
+                    <a:lstStyle/>
+                    <a:p>
+                      <a:r>
+                        <a:rPr lang="en-US" dirty="0" smtClean="0"/>
+                        <a:t>User-based</a:t>
+                      </a:r>
+                      <a:r>
+                        <a:rPr lang="en-US" baseline="0" dirty="0" smtClean="0"/>
+                        <a:t> </a:t>
+                      </a:r>
+                      <a:r>
+                        <a:rPr lang="en-US" dirty="0" smtClean="0"/>
+                        <a:t>– 3.42</a:t>
+                      </a:r>
+                    </a:p>
+                    <a:p>
+                      <a:r>
+                        <a:rPr lang="en-US" dirty="0" smtClean="0"/>
+                        <a:t>Item-based – 3.24</a:t>
+                      </a:r>
+                    </a:p>
+                    <a:p>
+                      <a:endParaRPr lang="en-US" dirty="0"/>
+                    </a:p>
+                  </a:txBody>
+                  <a:tcPr/>
+                </a:tc>
+                <a:tc>
+                  <a:txBody>
+                    <a:bodyPr/>
+                    <a:lstStyle/>
+                    <a:p>
+                      <a:r>
+                        <a:rPr lang="en-US" dirty="0" smtClean="0"/>
+                        <a:t>User-based</a:t>
+                      </a:r>
+                      <a:r>
+                        <a:rPr lang="en-US" baseline="0" dirty="0" smtClean="0"/>
+                        <a:t> </a:t>
+                      </a:r>
+                      <a:r>
+                        <a:rPr lang="en-US" dirty="0" smtClean="0"/>
+                        <a:t>– 3.13</a:t>
+                      </a:r>
+                    </a:p>
+                    <a:p>
+                      <a:r>
+                        <a:rPr lang="en-US" dirty="0" smtClean="0"/>
+                        <a:t>Item-based –</a:t>
+                      </a:r>
+                      <a:r>
+                        <a:rPr lang="en-US" baseline="0" dirty="0" smtClean="0"/>
+                        <a:t> </a:t>
+                      </a:r>
+                      <a:r>
+                        <a:rPr lang="en-US" dirty="0" smtClean="0"/>
+                        <a:t>3.12</a:t>
+                      </a:r>
+                    </a:p>
+                    <a:p>
+                      <a:endParaRPr lang="en-US" dirty="0"/>
+                    </a:p>
+                  </a:txBody>
+                  <a:tcPr/>
+                </a:tc>
+                <a:tc>
+                  <a:txBody>
+                    <a:bodyPr/>
+                    <a:lstStyle/>
+                    <a:p>
+                      <a:r>
+                        <a:rPr lang="en-US" dirty="0" smtClean="0"/>
+                        <a:t>User-based</a:t>
+                      </a:r>
+                      <a:r>
+                        <a:rPr lang="en-US" baseline="0" dirty="0" smtClean="0"/>
+                        <a:t> </a:t>
+                      </a:r>
+                      <a:r>
+                        <a:rPr lang="en-US" dirty="0" smtClean="0"/>
+                        <a:t>– 3.39</a:t>
+                      </a:r>
+                    </a:p>
+                    <a:p>
+                      <a:r>
+                        <a:rPr lang="en-US" dirty="0" smtClean="0"/>
+                        <a:t>Item-based</a:t>
+                      </a:r>
+                      <a:r>
+                        <a:rPr lang="en-US" baseline="0" dirty="0" smtClean="0"/>
+                        <a:t> </a:t>
+                      </a:r>
+                      <a:r>
+                        <a:rPr lang="en-US" dirty="0" smtClean="0"/>
+                        <a:t>– 3.22</a:t>
+                      </a:r>
+                    </a:p>
+                    <a:p>
+                      <a:endParaRPr lang="en-US" dirty="0"/>
+                    </a:p>
+                  </a:txBody>
+                  <a:tcPr/>
+                </a:tc>
+                <a:tc>
+                  <a:txBody>
+                    <a:bodyPr/>
+                    <a:lstStyle/>
+                    <a:p>
+                      <a:r>
+                        <a:rPr lang="en-US" dirty="0" err="1" smtClean="0"/>
+                        <a:t>SVD</a:t>
+                      </a:r>
+                      <a:r>
+                        <a:rPr lang="en-US" dirty="0" smtClean="0"/>
+                        <a:t> </a:t>
+                      </a:r>
+                      <a:r>
+                        <a:rPr lang="en-US" dirty="0" err="1" smtClean="0"/>
+                        <a:t>RMSE</a:t>
+                      </a:r>
+                      <a:r>
+                        <a:rPr lang="en-US" baseline="0" dirty="0" smtClean="0"/>
+                        <a:t>  </a:t>
+                      </a:r>
+                      <a:r>
+                        <a:rPr lang="en-US" dirty="0" smtClean="0"/>
+                        <a:t>– </a:t>
+                      </a:r>
+                      <a:r>
+                        <a:rPr lang="en-US" dirty="0" smtClean="0"/>
+                        <a:t>2.98</a:t>
+                      </a:r>
+                      <a:endParaRPr lang="en-US" dirty="0"/>
+                    </a:p>
+                  </a:txBody>
+                  <a:tcPr/>
+                </a:tc>
+              </a:tr>
+            </a:tbl>
+          </a:graphicData>
+        </a:graphic>
+      </p:graphicFrame>
+    </p:spTree>
+    <p:extLst>
+      <p:ext uri="{BB962C8B-B14F-4D97-AF65-F5344CB8AC3E}">
+        <p14:creationId xmlns:p14="http://schemas.microsoft.com/office/powerpoint/2010/main" val="3215354360"/>
+      </p:ext>
+    </p:extLst>
+  </p:cSld>
+  <p:clrMapOvr>
+    <a:masterClrMapping/>
+  </p:clrMapOvr>
+</p:sld>
+</file>
+
+<file path=ppt/slides/slide19.xml><?xml version="1.0" encoding="utf-8"?>
 <p:sld xmlns:a="http://schemas.openxmlformats.org/drawingml/2006/main" xmlns:r="http://schemas.openxmlformats.org/officeDocument/2006/relationships" xmlns:p="http://schemas.openxmlformats.org/presentationml/2006/main">
   <p:cSld>
     <p:spTree>
